--- a/02_Thesis/02_Presentation_Thesis/Thesis presentation .pptx
+++ b/02_Thesis/02_Presentation_Thesis/Thesis presentation .pptx
@@ -6,10 +6,10 @@
     <p:sldMasterId id="2147483793" r:id="rId2"/>
   </p:sldMasterIdLst>
   <p:notesMasterIdLst>
-    <p:notesMasterId r:id="rId22"/>
+    <p:notesMasterId r:id="rId23"/>
   </p:notesMasterIdLst>
   <p:handoutMasterIdLst>
-    <p:handoutMasterId r:id="rId23"/>
+    <p:handoutMasterId r:id="rId24"/>
   </p:handoutMasterIdLst>
   <p:sldIdLst>
     <p:sldId id="309" r:id="rId3"/>
@@ -25,12 +25,13 @@
     <p:sldId id="335" r:id="rId13"/>
     <p:sldId id="347" r:id="rId14"/>
     <p:sldId id="351" r:id="rId15"/>
-    <p:sldId id="336" r:id="rId16"/>
-    <p:sldId id="350" r:id="rId17"/>
-    <p:sldId id="349" r:id="rId18"/>
-    <p:sldId id="348" r:id="rId19"/>
-    <p:sldId id="352" r:id="rId20"/>
-    <p:sldId id="353" r:id="rId21"/>
+    <p:sldId id="354" r:id="rId16"/>
+    <p:sldId id="336" r:id="rId17"/>
+    <p:sldId id="350" r:id="rId18"/>
+    <p:sldId id="349" r:id="rId19"/>
+    <p:sldId id="348" r:id="rId20"/>
+    <p:sldId id="352" r:id="rId21"/>
+    <p:sldId id="353" r:id="rId22"/>
   </p:sldIdLst>
   <p:sldSz cx="9144000" cy="6858000" type="screen4x3"/>
   <p:notesSz cx="6797675" cy="9856788"/>
@@ -177,6 +178,7 @@
             <p14:sldId id="335"/>
             <p14:sldId id="347"/>
             <p14:sldId id="351"/>
+            <p14:sldId id="354"/>
             <p14:sldId id="336"/>
             <p14:sldId id="350"/>
             <p14:sldId id="349"/>
@@ -188,7 +190,7 @@
       </p14:sectionLst>
     </p:ext>
     <p:ext uri="{EFAFB233-063F-42B5-8137-9DF3F51BA10A}">
-      <p15:sldGuideLst xmlns="" xmlns:p15="http://schemas.microsoft.com/office/powerpoint/2012/main">
+      <p15:sldGuideLst xmlns:p15="http://schemas.microsoft.com/office/powerpoint/2012/main" xmlns="">
         <p15:guide id="1" orient="horz" pos="2160">
           <p15:clr>
             <a:srgbClr val="A4A3A4"/>
@@ -227,7 +229,7 @@
       </p15:sldGuideLst>
     </p:ext>
     <p:ext uri="{2D200454-40CA-4A62-9FC3-DE9A4176ACB9}">
-      <p15:notesGuideLst xmlns="" xmlns:p15="http://schemas.microsoft.com/office/powerpoint/2012/main">
+      <p15:notesGuideLst xmlns:p15="http://schemas.microsoft.com/office/powerpoint/2012/main" xmlns="">
         <p15:guide id="1" orient="horz" pos="3223" userDrawn="1">
           <p15:clr>
             <a:srgbClr val="A4A3A4"/>
@@ -7816,15 +7818,7 @@
                   <a:srgbClr val="9D9EA0"/>
                 </a:solidFill>
               </a:rPr>
-              <a:t> of the distribution automation systems using Petri Nets </a:t>
-            </a:r>
-            <a:r>
-              <a:rPr lang="en-US" sz="900" dirty="0" smtClean="0">
-                <a:solidFill>
-                  <a:srgbClr val="9D9EA0"/>
-                </a:solidFill>
-              </a:rPr>
-              <a:t>|</a:t>
+              <a:t> of the distribution automation systems using Petri Nets |</a:t>
             </a:r>
           </a:p>
           <a:p>
@@ -7875,15 +7869,7 @@
                   <a:srgbClr val="9D9EA0"/>
                 </a:solidFill>
               </a:rPr>
-              <a:t> </a:t>
-            </a:r>
-            <a:r>
-              <a:rPr lang="en-US" altLang="zh-CN" sz="900" dirty="0" smtClean="0">
-                <a:solidFill>
-                  <a:srgbClr val="9D9EA0"/>
-                </a:solidFill>
-              </a:rPr>
-              <a:t>Xiao|09.10.2017 </a:t>
+              <a:t> Xiao|09.10.2017 </a:t>
             </a:r>
             <a:endParaRPr lang="de-DE" dirty="0"/>
           </a:p>
@@ -8565,7 +8551,7 @@
   </p:txStyles>
   <p:extLst mod="1">
     <p:ext uri="{27BBF7A9-308A-43DC-89C8-2F10F3537804}">
-      <p15:sldGuideLst xmlns="" xmlns:p15="http://schemas.microsoft.com/office/powerpoint/2012/main">
+      <p15:sldGuideLst xmlns:p15="http://schemas.microsoft.com/office/powerpoint/2012/main" xmlns="">
         <p15:guide id="1" orient="horz" pos="1457" userDrawn="1">
           <p15:clr>
             <a:srgbClr val="F26B43"/>
@@ -9325,7 +9311,7 @@
   </p:txStyles>
   <p:extLst mod="1">
     <p:ext uri="{27BBF7A9-308A-43DC-89C8-2F10F3537804}">
-      <p15:sldGuideLst xmlns="" xmlns:p15="http://schemas.microsoft.com/office/powerpoint/2012/main">
+      <p15:sldGuideLst xmlns:p15="http://schemas.microsoft.com/office/powerpoint/2012/main" xmlns="">
         <p15:guide id="1" orient="horz" pos="1457">
           <p15:clr>
             <a:srgbClr val="F26B43"/>
@@ -9665,19 +9651,7 @@
             </a:r>
             <a:r>
               <a:rPr lang="en-US" altLang="zh-CN" sz="2400" dirty="0" smtClean="0"/>
-              <a:t>operation</a:t>
-            </a:r>
-            <a:r>
-              <a:rPr lang="en-US" altLang="zh-CN" sz="2400" dirty="0" smtClean="0"/>
-              <a:t> </a:t>
-            </a:r>
-            <a:r>
-              <a:rPr lang="en-US" altLang="zh-CN" sz="2400" dirty="0" smtClean="0"/>
-              <a:t>state</a:t>
-            </a:r>
-            <a:r>
-              <a:rPr lang="en-US" altLang="zh-CN" sz="2400" dirty="0" smtClean="0"/>
-              <a:t> </a:t>
+              <a:t>operation state </a:t>
             </a:r>
             <a:r>
               <a:rPr lang="en-US" altLang="zh-CN" sz="2400" dirty="0"/>
@@ -9692,11 +9666,7 @@
             </a:r>
             <a:r>
               <a:rPr lang="en-US" altLang="zh-CN" sz="2400" dirty="0" smtClean="0"/>
-              <a:t>through simulation </a:t>
-            </a:r>
-            <a:r>
-              <a:rPr lang="en-US" altLang="zh-CN" sz="2400" dirty="0" smtClean="0"/>
-              <a:t>for </a:t>
+              <a:t>through simulation for </a:t>
             </a:r>
             <a:r>
               <a:rPr lang="en-US" altLang="zh-CN" sz="2400" dirty="0">
@@ -10194,19 +10164,7 @@
             </a:pPr>
             <a:r>
               <a:rPr lang="en-US" altLang="zh-CN" dirty="0" smtClean="0"/>
-              <a:t>In </a:t>
-            </a:r>
-            <a:r>
-              <a:rPr lang="en-US" altLang="zh-CN" dirty="0" smtClean="0"/>
-              <a:t>component l</a:t>
-            </a:r>
-            <a:r>
-              <a:rPr lang="en-US" altLang="zh-CN" dirty="0" smtClean="0"/>
-              <a:t>evel</a:t>
-            </a:r>
-            <a:r>
-              <a:rPr lang="en-US" altLang="zh-CN" dirty="0" smtClean="0"/>
-              <a:t> </a:t>
+              <a:t>In component level </a:t>
             </a:r>
             <a:r>
               <a:rPr lang="en-US" altLang="zh-CN" dirty="0">
@@ -10244,11 +10202,7 @@
             </a:r>
             <a:r>
               <a:rPr lang="en-US" altLang="zh-CN" dirty="0" smtClean="0"/>
-              <a:t>level </a:t>
-            </a:r>
-            <a:r>
-              <a:rPr lang="en-US" altLang="zh-CN" dirty="0" smtClean="0"/>
-              <a:t> </a:t>
+              <a:t>level  </a:t>
             </a:r>
             <a:r>
               <a:rPr lang="en-US" altLang="zh-CN" dirty="0" smtClean="0">
@@ -10334,136 +10288,594 @@
           <a:lstStyle/>
           <a:p>
             <a:r>
-              <a:rPr lang="en-US" altLang="zh-CN" dirty="0" smtClean="0"/>
-              <a:t>Qualitative analysis</a:t>
-            </a:r>
-            <a:br>
-              <a:rPr lang="en-US" altLang="zh-CN" dirty="0" smtClean="0"/>
-            </a:br>
-            <a:r>
-              <a:rPr lang="en-US" altLang="zh-CN" dirty="0" smtClean="0"/>
-              <a:t>Dependability</a:t>
-            </a:r>
-            <a:endParaRPr lang="de-DE" dirty="0"/>
+              <a:rPr lang="en-US" altLang="zh-CN" sz="2800" dirty="0"/>
+              <a:t>Theoretical </a:t>
+            </a:r>
+            <a:r>
+              <a:rPr lang="en-US" altLang="zh-CN" sz="2800" dirty="0" smtClean="0"/>
+              <a:t>basis </a:t>
+            </a:r>
+            <a:r>
+              <a:rPr lang="en-US" altLang="zh-CN" sz="2800" dirty="0" smtClean="0"/>
+              <a:t>behind results</a:t>
+            </a:r>
+            <a:endParaRPr lang="de-DE" sz="2800" dirty="0"/>
           </a:p>
         </p:txBody>
       </p:sp>
       <p:sp>
         <p:nvSpPr>
-          <p:cNvPr id="3" name="Textplatzhalter 2"/>
+          <p:cNvPr id="5" name="Textplatzhalter 4"/>
           <p:cNvSpPr>
             <a:spLocks noGrp="1"/>
           </p:cNvSpPr>
           <p:nvPr>
-            <p:ph type="body" sz="quarter" idx="12"/>
+            <p:ph type="body" sz="quarter" idx="16"/>
           </p:nvPr>
         </p:nvSpPr>
         <p:spPr>
           <a:xfrm>
-            <a:off x="198383" y="5080000"/>
-            <a:ext cx="8359464" cy="1289538"/>
+            <a:off x="1" y="871200"/>
+            <a:ext cx="9144000" cy="5292000"/>
           </a:xfrm>
         </p:spPr>
         <p:txBody>
           <a:bodyPr/>
           <a:lstStyle/>
           <a:p>
-            <a:pPr marL="342900" indent="-342900">
+            <a:pPr>
               <a:buFont typeface="Wingdings" charset="2"/>
               <a:buChar char="n"/>
             </a:pPr>
             <a:r>
-              <a:rPr lang="en-US" altLang="zh-CN" sz="2000" dirty="0"/>
-              <a:t>For simplicity, in this section, we first assume one substation network equipped with </a:t>
-            </a:r>
-            <a:r>
-              <a:rPr lang="en-US" altLang="zh-CN" sz="2000" dirty="0">
-                <a:solidFill>
-                  <a:srgbClr val="FF0000"/>
-                </a:solidFill>
-              </a:rPr>
-              <a:t>only one </a:t>
-            </a:r>
-            <a:r>
-              <a:rPr lang="en-US" altLang="zh-CN" sz="2000" dirty="0">
-                <a:solidFill>
-                  <a:srgbClr val="FF0000"/>
-                </a:solidFill>
-              </a:rPr>
-              <a:t>S</a:t>
-            </a:r>
-            <a:r>
-              <a:rPr lang="en-US" altLang="zh-CN" sz="2000" dirty="0" smtClean="0">
-                <a:solidFill>
-                  <a:srgbClr val="FF0000"/>
-                </a:solidFill>
-              </a:rPr>
-              <a:t>ensor</a:t>
-            </a:r>
-            <a:r>
-              <a:rPr lang="en-US" altLang="zh-CN" sz="2000" dirty="0">
-                <a:solidFill>
-                  <a:srgbClr val="FF0000"/>
-                </a:solidFill>
-              </a:rPr>
-              <a:t>,  one IED, one PSAU, </a:t>
+              <a:rPr lang="de-DE" altLang="zh-CN" sz="2600" dirty="0" smtClean="0"/>
+              <a:t> </a:t>
+            </a:r>
+            <a:r>
+              <a:rPr lang="de-DE" altLang="zh-CN" sz="2400" dirty="0" err="1" smtClean="0"/>
+              <a:t>Centralized</a:t>
+            </a:r>
+            <a:r>
+              <a:rPr lang="de-DE" altLang="zh-CN" sz="2400" dirty="0" smtClean="0"/>
+              <a:t> </a:t>
+            </a:r>
+            <a:r>
+              <a:rPr lang="de-DE" altLang="zh-CN" sz="2400" dirty="0"/>
+              <a:t>architecture</a:t>
+            </a:r>
+            <a:r>
+              <a:rPr lang="de-DE" altLang="zh-CN" sz="2400" dirty="0"/>
+              <a:t> (CA) </a:t>
+            </a:r>
+            <a:r>
+              <a:rPr lang="de-DE" altLang="zh-CN" sz="2400" dirty="0" smtClean="0"/>
+              <a:t>: </a:t>
+            </a:r>
+          </a:p>
+          <a:p>
+            <a:pPr lvl="1"/>
+            <a:r>
+              <a:rPr lang="de-DE" altLang="zh-CN" sz="2000" dirty="0" err="1" smtClean="0"/>
+              <a:t>Coordination</a:t>
+            </a:r>
+            <a:r>
+              <a:rPr lang="de-DE" altLang="zh-CN" sz="2000" dirty="0" smtClean="0"/>
+              <a:t> </a:t>
+            </a:r>
+            <a:r>
+              <a:rPr lang="de-DE" altLang="zh-CN" sz="2000" dirty="0" err="1"/>
+              <a:t>take</a:t>
+            </a:r>
+            <a:r>
+              <a:rPr lang="de-DE" altLang="zh-CN" sz="2000" dirty="0"/>
+              <a:t> </a:t>
+            </a:r>
+            <a:r>
+              <a:rPr lang="de-DE" altLang="zh-CN" sz="2000" dirty="0" err="1"/>
+              <a:t>place</a:t>
+            </a:r>
+            <a:r>
+              <a:rPr lang="de-DE" altLang="zh-CN" sz="2000" dirty="0"/>
+              <a:t> </a:t>
+            </a:r>
+            <a:r>
+              <a:rPr lang="de-DE" altLang="zh-CN" sz="2000" dirty="0" err="1"/>
+              <a:t>at</a:t>
+            </a:r>
+            <a:r>
+              <a:rPr lang="de-DE" altLang="zh-CN" sz="2000" dirty="0"/>
+              <a:t> </a:t>
+            </a:r>
+            <a:r>
+              <a:rPr lang="de-DE" altLang="zh-CN" sz="2000" dirty="0" err="1"/>
+              <a:t>the</a:t>
+            </a:r>
+            <a:r>
+              <a:rPr lang="de-DE" altLang="zh-CN" sz="2000" dirty="0"/>
+              <a:t> </a:t>
+            </a:r>
+            <a:r>
+              <a:rPr lang="de-DE" altLang="zh-CN" sz="2000" dirty="0" err="1"/>
+              <a:t>control</a:t>
+            </a:r>
+            <a:r>
+              <a:rPr lang="de-DE" altLang="zh-CN" sz="2000" dirty="0"/>
+              <a:t> </a:t>
+            </a:r>
+            <a:r>
+              <a:rPr lang="de-DE" altLang="zh-CN" sz="2000" dirty="0" err="1"/>
+              <a:t>center</a:t>
+            </a:r>
+            <a:r>
+              <a:rPr lang="de-DE" altLang="zh-CN" sz="2000" dirty="0"/>
+              <a:t> </a:t>
+            </a:r>
+            <a:r>
+              <a:rPr lang="de-DE" altLang="zh-CN" sz="2000" dirty="0" err="1"/>
+              <a:t>level</a:t>
+            </a:r>
+            <a:r>
+              <a:rPr lang="de-DE" altLang="zh-CN" sz="2000" dirty="0"/>
+              <a:t>, </a:t>
+            </a:r>
+            <a:r>
+              <a:rPr lang="de-DE" altLang="zh-CN" sz="2000" dirty="0" err="1"/>
+              <a:t>the</a:t>
+            </a:r>
+            <a:r>
+              <a:rPr lang="de-DE" altLang="zh-CN" sz="2000" dirty="0"/>
+              <a:t> so-</a:t>
+            </a:r>
+            <a:r>
+              <a:rPr lang="de-DE" altLang="zh-CN" sz="2000" dirty="0" err="1"/>
+              <a:t>called</a:t>
+            </a:r>
+            <a:r>
+              <a:rPr lang="de-DE" altLang="zh-CN" sz="2000" dirty="0"/>
+              <a:t> </a:t>
+            </a:r>
+            <a:r>
+              <a:rPr lang="de-DE" altLang="zh-CN" sz="2000" dirty="0" err="1"/>
+              <a:t>distribution</a:t>
+            </a:r>
+            <a:r>
+              <a:rPr lang="de-DE" altLang="zh-CN" sz="2000" dirty="0"/>
+              <a:t> </a:t>
+            </a:r>
+            <a:r>
+              <a:rPr lang="de-DE" altLang="zh-CN" sz="2000" dirty="0" err="1"/>
+              <a:t>management</a:t>
+            </a:r>
+            <a:r>
+              <a:rPr lang="de-DE" altLang="zh-CN" sz="2000" dirty="0"/>
+              <a:t> </a:t>
+            </a:r>
+            <a:r>
+              <a:rPr lang="de-DE" altLang="zh-CN" sz="2000" dirty="0" err="1"/>
+              <a:t>system</a:t>
+            </a:r>
+            <a:r>
+              <a:rPr lang="de-DE" altLang="zh-CN" sz="2000" dirty="0"/>
+              <a:t> (DMS) </a:t>
+            </a:r>
+          </a:p>
+          <a:p>
+            <a:pPr lvl="1"/>
+            <a:r>
+              <a:rPr lang="de-DE" altLang="zh-CN" sz="2000" dirty="0" err="1"/>
+              <a:t>Centralized</a:t>
+            </a:r>
+            <a:r>
+              <a:rPr lang="de-DE" altLang="zh-CN" sz="2000" dirty="0"/>
+              <a:t> </a:t>
+            </a:r>
+            <a:r>
+              <a:rPr lang="de-DE" altLang="zh-CN" sz="2000" dirty="0" err="1"/>
+              <a:t>data</a:t>
+            </a:r>
+            <a:r>
+              <a:rPr lang="de-DE" altLang="zh-CN" sz="2000" dirty="0"/>
+              <a:t> </a:t>
+            </a:r>
+            <a:r>
+              <a:rPr lang="de-DE" altLang="zh-CN" sz="2000" dirty="0" err="1"/>
+              <a:t>risk</a:t>
+            </a:r>
+            <a:r>
+              <a:rPr lang="de-DE" altLang="zh-CN" sz="2000" dirty="0"/>
+              <a:t>, time </a:t>
+            </a:r>
+            <a:r>
+              <a:rPr lang="de-DE" altLang="zh-CN" sz="2000" dirty="0" err="1"/>
+              <a:t>consuming</a:t>
+            </a:r>
+            <a:r>
+              <a:rPr lang="de-DE" altLang="zh-CN" sz="2000" dirty="0"/>
+              <a:t> </a:t>
+            </a:r>
+            <a:r>
+              <a:rPr lang="de-DE" altLang="zh-CN" sz="2000" dirty="0" err="1"/>
+              <a:t>execution</a:t>
+            </a:r>
+            <a:r>
+              <a:rPr lang="de-DE" altLang="zh-CN" sz="2000" dirty="0"/>
+              <a:t> </a:t>
+            </a:r>
+            <a:endParaRPr lang="de-DE" altLang="zh-CN" sz="2000" dirty="0" smtClean="0"/>
+          </a:p>
+          <a:p>
+            <a:pPr>
+              <a:buFont typeface="Wingdings" charset="2"/>
+              <a:buChar char="n"/>
+            </a:pPr>
+            <a:r>
+              <a:rPr lang="de-DE" altLang="zh-CN" sz="2600" dirty="0" smtClean="0"/>
+              <a:t> </a:t>
+            </a:r>
+            <a:r>
+              <a:rPr lang="de-DE" altLang="zh-CN" sz="2400" dirty="0" err="1" smtClean="0"/>
+              <a:t>Fully</a:t>
+            </a:r>
+            <a:r>
+              <a:rPr lang="de-DE" altLang="zh-CN" sz="2400" dirty="0" smtClean="0"/>
+              <a:t> </a:t>
+            </a:r>
+            <a:r>
+              <a:rPr lang="de-DE" altLang="zh-CN" sz="2400" dirty="0" err="1"/>
+              <a:t>distributed</a:t>
+            </a:r>
+            <a:r>
+              <a:rPr lang="de-DE" altLang="zh-CN" sz="2400" dirty="0"/>
+              <a:t> </a:t>
+            </a:r>
+            <a:r>
+              <a:rPr lang="de-DE" altLang="zh-CN" sz="2400" dirty="0" err="1"/>
+              <a:t>automation</a:t>
+            </a:r>
+            <a:r>
+              <a:rPr lang="de-DE" altLang="zh-CN" sz="2400" dirty="0" smtClean="0"/>
+              <a:t>:</a:t>
+            </a:r>
+          </a:p>
+          <a:p>
+            <a:pPr lvl="1"/>
+            <a:r>
+              <a:rPr lang="de-DE" altLang="zh-CN" sz="2000" dirty="0" smtClean="0"/>
+              <a:t>Lack</a:t>
             </a:r>
             <a:r>
               <a:rPr lang="en-US" altLang="zh-CN" sz="2000" dirty="0" smtClean="0"/>
+              <a:t>s</a:t>
+            </a:r>
+            <a:r>
+              <a:rPr lang="de-DE" altLang="zh-CN" sz="2000" dirty="0" smtClean="0"/>
+              <a:t> </a:t>
+            </a:r>
+            <a:r>
+              <a:rPr lang="de-DE" altLang="zh-CN" sz="2000" dirty="0"/>
+              <a:t>in </a:t>
+            </a:r>
+            <a:r>
+              <a:rPr lang="de-DE" altLang="zh-CN" sz="2000" dirty="0" err="1"/>
+              <a:t>effective</a:t>
+            </a:r>
+            <a:r>
+              <a:rPr lang="de-DE" altLang="zh-CN" sz="2000" dirty="0"/>
+              <a:t> </a:t>
+            </a:r>
+            <a:r>
+              <a:rPr lang="de-DE" altLang="zh-CN" sz="2000" dirty="0" err="1"/>
+              <a:t>coordination</a:t>
+            </a:r>
+            <a:r>
+              <a:rPr lang="de-DE" altLang="zh-CN" sz="2000" dirty="0"/>
+              <a:t> </a:t>
+            </a:r>
+            <a:r>
+              <a:rPr lang="de-DE" altLang="zh-CN" sz="2000" dirty="0" err="1"/>
+              <a:t>among</a:t>
+            </a:r>
+            <a:r>
+              <a:rPr lang="de-DE" altLang="zh-CN" sz="2000" dirty="0"/>
+              <a:t> </a:t>
+            </a:r>
+            <a:r>
+              <a:rPr lang="de-DE" altLang="zh-CN" sz="2000" dirty="0" err="1"/>
+              <a:t>the</a:t>
+            </a:r>
+            <a:r>
+              <a:rPr lang="de-DE" altLang="zh-CN" sz="2000" dirty="0"/>
+              <a:t> different </a:t>
+            </a:r>
+            <a:r>
+              <a:rPr lang="de-DE" altLang="zh-CN" sz="2000" dirty="0" err="1" smtClean="0"/>
+              <a:t>actors</a:t>
+            </a:r>
+            <a:endParaRPr lang="de-DE" altLang="zh-CN" sz="2000" dirty="0" smtClean="0"/>
+          </a:p>
+          <a:p>
+            <a:pPr>
+              <a:buFont typeface="Wingdings" charset="2"/>
+              <a:buChar char="n"/>
+            </a:pPr>
+            <a:r>
+              <a:rPr lang="de-DE" altLang="zh-CN" sz="2400" dirty="0" smtClean="0"/>
+              <a:t> IDE4L </a:t>
+            </a:r>
+            <a:r>
+              <a:rPr lang="en-US" altLang="zh-CN" sz="2400" dirty="0"/>
+              <a:t>a</a:t>
+            </a:r>
+            <a:r>
+              <a:rPr lang="de-DE" altLang="zh-CN" sz="2400" dirty="0" err="1"/>
+              <a:t>utomation</a:t>
+            </a:r>
+            <a:r>
+              <a:rPr lang="de-DE" altLang="zh-CN" sz="2400" dirty="0"/>
+              <a:t> </a:t>
+            </a:r>
+            <a:r>
+              <a:rPr lang="en-US" altLang="zh-CN" sz="2400" dirty="0"/>
+              <a:t>distribution </a:t>
+            </a:r>
+            <a:r>
+              <a:rPr lang="de-DE" altLang="zh-CN" sz="2400" dirty="0" err="1"/>
+              <a:t>architecture</a:t>
+            </a:r>
+            <a:r>
+              <a:rPr lang="zh-CN" altLang="en-US" sz="2400" dirty="0" smtClean="0"/>
+              <a:t>：</a:t>
+            </a:r>
+            <a:endParaRPr lang="de-DE" altLang="zh-CN" sz="2400" dirty="0" smtClean="0"/>
+          </a:p>
+          <a:p>
+            <a:pPr lvl="1"/>
+            <a:r>
+              <a:rPr lang="de-DE" altLang="zh-CN" sz="2000" dirty="0" err="1" smtClean="0"/>
+              <a:t>Allocating</a:t>
+            </a:r>
+            <a:r>
+              <a:rPr lang="de-DE" altLang="zh-CN" sz="2000" dirty="0" smtClean="0"/>
+              <a:t> </a:t>
+            </a:r>
+            <a:r>
+              <a:rPr lang="de-DE" altLang="zh-CN" sz="2000" dirty="0"/>
+              <a:t>the intelligence at each </a:t>
+            </a:r>
+            <a:r>
+              <a:rPr lang="de-DE" altLang="zh-CN" sz="2000" dirty="0" err="1"/>
+              <a:t>voltage</a:t>
+            </a:r>
+            <a:r>
+              <a:rPr lang="de-DE" altLang="zh-CN" sz="2000" dirty="0"/>
+              <a:t> </a:t>
+            </a:r>
+            <a:r>
+              <a:rPr lang="de-DE" altLang="zh-CN" sz="2000" dirty="0" err="1" smtClean="0"/>
+              <a:t>level</a:t>
+            </a:r>
+            <a:r>
+              <a:rPr lang="de-DE" altLang="zh-CN" sz="2000" dirty="0" smtClean="0"/>
+              <a:t>, PSAUs </a:t>
+            </a:r>
+            <a:r>
+              <a:rPr lang="de-DE" altLang="zh-CN" sz="2000" dirty="0" err="1"/>
+              <a:t>are</a:t>
+            </a:r>
+            <a:r>
+              <a:rPr lang="de-DE" altLang="zh-CN" sz="2000" dirty="0"/>
+              <a:t> </a:t>
+            </a:r>
+            <a:r>
+              <a:rPr lang="de-DE" altLang="zh-CN" sz="2000" dirty="0" err="1"/>
+              <a:t>responsible</a:t>
+            </a:r>
+            <a:r>
+              <a:rPr lang="de-DE" altLang="zh-CN" sz="2000" dirty="0"/>
+              <a:t> </a:t>
+            </a:r>
+            <a:r>
+              <a:rPr lang="de-DE" altLang="zh-CN" sz="2000" dirty="0" err="1"/>
+              <a:t>for</a:t>
+            </a:r>
+            <a:r>
+              <a:rPr lang="de-DE" altLang="zh-CN" sz="2000" dirty="0"/>
+              <a:t> </a:t>
+            </a:r>
+            <a:r>
+              <a:rPr lang="de-DE" altLang="zh-CN" sz="2000" dirty="0" err="1"/>
+              <a:t>the</a:t>
+            </a:r>
+            <a:r>
+              <a:rPr lang="de-DE" altLang="zh-CN" sz="2000" dirty="0"/>
+              <a:t> MV </a:t>
+            </a:r>
+            <a:r>
+              <a:rPr lang="de-DE" altLang="zh-CN" sz="2000" dirty="0" err="1"/>
+              <a:t>network</a:t>
+            </a:r>
+            <a:r>
+              <a:rPr lang="de-DE" altLang="zh-CN" sz="2000" dirty="0"/>
+              <a:t> </a:t>
+            </a:r>
+            <a:r>
+              <a:rPr lang="de-DE" altLang="zh-CN" sz="2000" dirty="0" err="1"/>
               <a:t>and</a:t>
             </a:r>
             <a:r>
-              <a:rPr lang="en-US" altLang="zh-CN" sz="2000" dirty="0" smtClean="0">
-                <a:solidFill>
-                  <a:srgbClr val="FF0000"/>
-                </a:solidFill>
-              </a:rPr>
+              <a:rPr lang="de-DE" altLang="zh-CN" sz="2000" dirty="0"/>
               <a:t> </a:t>
             </a:r>
             <a:r>
-              <a:rPr lang="en-US" altLang="zh-CN" sz="2000" dirty="0">
-                <a:solidFill>
-                  <a:srgbClr val="FF0000"/>
-                </a:solidFill>
-              </a:rPr>
-              <a:t>one DMS </a:t>
-            </a:r>
-            <a:r>
-              <a:rPr lang="en-US" altLang="zh-CN" sz="2000" dirty="0"/>
-              <a:t>server to demonstrate the dependability evaluation procedures.</a:t>
-            </a:r>
-            <a:endParaRPr lang="de-DE" sz="2000" dirty="0"/>
+              <a:rPr lang="de-DE" altLang="zh-CN" sz="2000" dirty="0" smtClean="0"/>
+              <a:t>SSAUs </a:t>
+            </a:r>
+            <a:r>
+              <a:rPr lang="de-DE" altLang="zh-CN" sz="2000" dirty="0" err="1"/>
+              <a:t>address</a:t>
+            </a:r>
+            <a:r>
+              <a:rPr lang="de-DE" altLang="zh-CN" sz="2000" dirty="0"/>
+              <a:t> </a:t>
+            </a:r>
+            <a:r>
+              <a:rPr lang="de-DE" altLang="zh-CN" sz="2000" dirty="0" err="1"/>
+              <a:t>the</a:t>
+            </a:r>
+            <a:r>
+              <a:rPr lang="de-DE" altLang="zh-CN" sz="2000" dirty="0"/>
+              <a:t> </a:t>
+            </a:r>
+            <a:r>
+              <a:rPr lang="de-DE" altLang="zh-CN" sz="2000" dirty="0" err="1"/>
+              <a:t>need</a:t>
+            </a:r>
+            <a:r>
+              <a:rPr lang="de-DE" altLang="zh-CN" sz="2000" dirty="0"/>
+              <a:t> </a:t>
+            </a:r>
+            <a:r>
+              <a:rPr lang="de-DE" altLang="zh-CN" sz="2000" dirty="0" err="1"/>
+              <a:t>related</a:t>
+            </a:r>
+            <a:r>
+              <a:rPr lang="de-DE" altLang="zh-CN" sz="2000" dirty="0"/>
+              <a:t> </a:t>
+            </a:r>
+            <a:r>
+              <a:rPr lang="de-DE" altLang="zh-CN" sz="2000" dirty="0" err="1"/>
+              <a:t>to</a:t>
+            </a:r>
+            <a:r>
+              <a:rPr lang="de-DE" altLang="zh-CN" sz="2000" dirty="0"/>
+              <a:t> LV </a:t>
+            </a:r>
+            <a:r>
+              <a:rPr lang="de-DE" altLang="zh-CN" sz="2000" dirty="0" err="1" smtClean="0"/>
+              <a:t>network</a:t>
+            </a:r>
+            <a:endParaRPr lang="de-DE" altLang="zh-CN" sz="2000" dirty="0" smtClean="0"/>
+          </a:p>
+          <a:p>
+            <a:pPr lvl="1"/>
+            <a:r>
+              <a:rPr lang="de-DE" altLang="zh-CN" sz="2000" dirty="0" err="1" smtClean="0"/>
+              <a:t>Reducing</a:t>
+            </a:r>
+            <a:r>
+              <a:rPr lang="de-DE" altLang="zh-CN" sz="2000" dirty="0" smtClean="0"/>
+              <a:t> </a:t>
+            </a:r>
+            <a:r>
+              <a:rPr lang="de-DE" altLang="zh-CN" sz="2000" dirty="0"/>
+              <a:t>the DMS computational and communication burden, while maintaining the possibility </a:t>
+            </a:r>
+            <a:r>
+              <a:rPr lang="de-DE" altLang="zh-CN" sz="2000" dirty="0" err="1"/>
+              <a:t>to</a:t>
+            </a:r>
+            <a:r>
+              <a:rPr lang="de-DE" altLang="zh-CN" sz="2000" dirty="0"/>
+              <a:t> </a:t>
+            </a:r>
+            <a:r>
+              <a:rPr lang="de-DE" altLang="zh-CN" sz="2000" dirty="0" err="1" smtClean="0"/>
+              <a:t>coordinate</a:t>
+            </a:r>
+            <a:r>
+              <a:rPr lang="de-DE" altLang="zh-CN" sz="2000" dirty="0" smtClean="0"/>
+              <a:t> </a:t>
+            </a:r>
+            <a:r>
+              <a:rPr lang="de-DE" altLang="zh-CN" sz="2000" dirty="0"/>
+              <a:t>the automation in a hierarchical way</a:t>
+            </a:r>
+            <a:r>
+              <a:rPr lang="de-DE" altLang="zh-CN" sz="2000" dirty="0"/>
+              <a:t> </a:t>
+            </a:r>
+          </a:p>
+          <a:p>
+            <a:pPr lvl="1"/>
+            <a:r>
+              <a:rPr lang="de-DE" altLang="zh-CN" sz="2000" dirty="0" smtClean="0"/>
+              <a:t>A </a:t>
+            </a:r>
+            <a:r>
+              <a:rPr lang="de-DE" altLang="zh-CN" sz="2000" dirty="0"/>
+              <a:t>proper </a:t>
+            </a:r>
+            <a:r>
+              <a:rPr lang="de-DE" altLang="zh-CN" sz="2000" dirty="0"/>
+              <a:t>coordination among the SAUs and with the</a:t>
+            </a:r>
+            <a:r>
+              <a:rPr lang="de-DE" altLang="zh-CN" sz="2000" dirty="0"/>
+              <a:t> DMS </a:t>
+            </a:r>
+            <a:r>
+              <a:rPr lang="de-DE" altLang="zh-CN" sz="2000" dirty="0" err="1" smtClean="0"/>
+              <a:t>guarantees</a:t>
+            </a:r>
+            <a:r>
+              <a:rPr lang="de-DE" altLang="zh-CN" sz="2000" dirty="0" smtClean="0"/>
+              <a:t> </a:t>
+            </a:r>
+            <a:r>
+              <a:rPr lang="de-DE" altLang="zh-CN" sz="2000" dirty="0"/>
+              <a:t>effective monitoring and control functionalities within shorter time frames than CA approaches and </a:t>
+            </a:r>
+            <a:r>
+              <a:rPr lang="de-DE" altLang="zh-CN" sz="2000" dirty="0" err="1"/>
+              <a:t>with</a:t>
+            </a:r>
+            <a:r>
+              <a:rPr lang="de-DE" altLang="zh-CN" sz="2000" dirty="0"/>
+              <a:t> </a:t>
+            </a:r>
+            <a:r>
+              <a:rPr lang="de-DE" altLang="zh-CN" sz="2000" dirty="0" smtClean="0"/>
+              <a:t>high</a:t>
+            </a:r>
+            <a:r>
+              <a:rPr lang="en-US" altLang="zh-CN" sz="2000" dirty="0" err="1" smtClean="0"/>
+              <a:t>er</a:t>
+            </a:r>
+            <a:r>
+              <a:rPr lang="en-US" altLang="zh-CN" sz="2000" dirty="0" smtClean="0"/>
+              <a:t> efficiency</a:t>
+            </a:r>
+            <a:r>
+              <a:rPr lang="de-DE" altLang="zh-CN" sz="2000" dirty="0" smtClean="0"/>
+              <a:t> </a:t>
+            </a:r>
+            <a:r>
+              <a:rPr lang="de-DE" altLang="zh-CN" sz="2000" dirty="0" err="1" smtClean="0"/>
+              <a:t>t</a:t>
+            </a:r>
+            <a:r>
+              <a:rPr lang="de-DE" altLang="zh-CN" sz="2000" dirty="0" err="1" smtClean="0"/>
+              <a:t>han</a:t>
+            </a:r>
+            <a:r>
+              <a:rPr lang="de-DE" altLang="zh-CN" sz="2000" dirty="0" smtClean="0"/>
+              <a:t> </a:t>
+            </a:r>
+            <a:r>
+              <a:rPr lang="de-DE" altLang="zh-CN" sz="2000" dirty="0"/>
+              <a:t>the fully distributed architectures</a:t>
+            </a:r>
+            <a:r>
+              <a:rPr lang="de-DE" altLang="zh-CN" sz="2000" dirty="0"/>
+              <a:t>. </a:t>
+            </a:r>
           </a:p>
         </p:txBody>
       </p:sp>
-      <p:pic>
-        <p:nvPicPr>
-          <p:cNvPr id="4" name="图片 3"/>
-          <p:cNvPicPr>
-            <a:picLocks noChangeAspect="1"/>
-          </p:cNvPicPr>
-          <p:nvPr/>
-        </p:nvPicPr>
-        <p:blipFill>
-          <a:blip r:embed="rId2"/>
-          <a:stretch>
-            <a:fillRect/>
-          </a:stretch>
-        </p:blipFill>
-        <p:spPr>
-          <a:xfrm>
-            <a:off x="1682261" y="898769"/>
-            <a:ext cx="5625124" cy="4115944"/>
-          </a:xfrm>
-          <a:prstGeom prst="rect">
-            <a:avLst/>
-          </a:prstGeom>
-        </p:spPr>
-      </p:pic>
     </p:spTree>
     <p:extLst>
       <p:ext uri="{BB962C8B-B14F-4D97-AF65-F5344CB8AC3E}">
-        <p14:creationId xmlns:p14="http://schemas.microsoft.com/office/powerpoint/2010/main" val="3537547965"/>
+        <p14:creationId xmlns:p14="http://schemas.microsoft.com/office/powerpoint/2010/main" val="1588654478"/>
       </p:ext>
     </p:extLst>
   </p:cSld>
@@ -10547,6 +10959,10 @@
           <a:bodyPr/>
           <a:lstStyle/>
           <a:p>
+            <a:pPr marL="342900" indent="-342900">
+              <a:buFont typeface="Wingdings" charset="2"/>
+              <a:buChar char="n"/>
+            </a:pPr>
             <a:r>
               <a:rPr lang="en-US" altLang="zh-CN" sz="2000" dirty="0"/>
               <a:t>For simplicity, in this section, we first assume one substation network equipped with </a:t>
@@ -10557,7 +10973,15 @@
                   <a:srgbClr val="FF0000"/>
                 </a:solidFill>
               </a:rPr>
-              <a:t>only one </a:t>
+              <a:t>only one S</a:t>
+            </a:r>
+            <a:r>
+              <a:rPr lang="en-US" altLang="zh-CN" sz="2000" dirty="0" smtClean="0">
+                <a:solidFill>
+                  <a:srgbClr val="FF0000"/>
+                </a:solidFill>
+              </a:rPr>
+              <a:t>ensor</a:t>
             </a:r>
             <a:r>
               <a:rPr lang="en-US" altLang="zh-CN" sz="2000" dirty="0">
@@ -10565,7 +10989,158 @@
                   <a:srgbClr val="FF0000"/>
                 </a:solidFill>
               </a:rPr>
-              <a:t>S</a:t>
+              <a:t>,  one IED, one PSAU, </a:t>
+            </a:r>
+            <a:r>
+              <a:rPr lang="en-US" altLang="zh-CN" sz="2000" dirty="0" smtClean="0"/>
+              <a:t>and</a:t>
+            </a:r>
+            <a:r>
+              <a:rPr lang="en-US" altLang="zh-CN" sz="2000" dirty="0" smtClean="0">
+                <a:solidFill>
+                  <a:srgbClr val="FF0000"/>
+                </a:solidFill>
+              </a:rPr>
+              <a:t> </a:t>
+            </a:r>
+            <a:r>
+              <a:rPr lang="en-US" altLang="zh-CN" sz="2000" dirty="0">
+                <a:solidFill>
+                  <a:srgbClr val="FF0000"/>
+                </a:solidFill>
+              </a:rPr>
+              <a:t>one DMS </a:t>
+            </a:r>
+            <a:r>
+              <a:rPr lang="en-US" altLang="zh-CN" sz="2000" dirty="0"/>
+              <a:t>server to demonstrate the dependability evaluation procedures.</a:t>
+            </a:r>
+            <a:endParaRPr lang="de-DE" sz="2000" dirty="0"/>
+          </a:p>
+        </p:txBody>
+      </p:sp>
+      <p:pic>
+        <p:nvPicPr>
+          <p:cNvPr id="4" name="图片 3"/>
+          <p:cNvPicPr>
+            <a:picLocks noChangeAspect="1"/>
+          </p:cNvPicPr>
+          <p:nvPr/>
+        </p:nvPicPr>
+        <p:blipFill>
+          <a:blip r:embed="rId2"/>
+          <a:stretch>
+            <a:fillRect/>
+          </a:stretch>
+        </p:blipFill>
+        <p:spPr>
+          <a:xfrm>
+            <a:off x="1682261" y="898769"/>
+            <a:ext cx="5625124" cy="4115944"/>
+          </a:xfrm>
+          <a:prstGeom prst="rect">
+            <a:avLst/>
+          </a:prstGeom>
+        </p:spPr>
+      </p:pic>
+    </p:spTree>
+    <p:extLst>
+      <p:ext uri="{BB962C8B-B14F-4D97-AF65-F5344CB8AC3E}">
+        <p14:creationId xmlns:p14="http://schemas.microsoft.com/office/powerpoint/2010/main" val="3537547965"/>
+      </p:ext>
+    </p:extLst>
+  </p:cSld>
+  <p:clrMapOvr>
+    <a:masterClrMapping/>
+  </p:clrMapOvr>
+  <p:timing>
+    <p:tnLst>
+      <p:par>
+        <p:cTn xmlns:p14="http://schemas.microsoft.com/office/powerpoint/2010/main" id="1" dur="indefinite" restart="never" nodeType="tmRoot"/>
+      </p:par>
+    </p:tnLst>
+  </p:timing>
+</p:sld>
+</file>
+
+<file path=ppt/slides/slide16.xml><?xml version="1.0" encoding="utf-8"?>
+<p:sld xmlns:a="http://schemas.openxmlformats.org/drawingml/2006/main" xmlns:r="http://schemas.openxmlformats.org/officeDocument/2006/relationships" xmlns:p="http://schemas.openxmlformats.org/presentationml/2006/main">
+  <p:cSld>
+    <p:spTree>
+      <p:nvGrpSpPr>
+        <p:cNvPr id="1" name=""/>
+        <p:cNvGrpSpPr/>
+        <p:nvPr/>
+      </p:nvGrpSpPr>
+      <p:grpSpPr>
+        <a:xfrm>
+          <a:off x="0" y="0"/>
+          <a:ext cx="0" cy="0"/>
+          <a:chOff x="0" y="0"/>
+          <a:chExt cx="0" cy="0"/>
+        </a:xfrm>
+      </p:grpSpPr>
+      <p:sp>
+        <p:nvSpPr>
+          <p:cNvPr id="2" name="Titel 1"/>
+          <p:cNvSpPr>
+            <a:spLocks noGrp="1"/>
+          </p:cNvSpPr>
+          <p:nvPr>
+            <p:ph type="title"/>
+          </p:nvPr>
+        </p:nvSpPr>
+        <p:spPr/>
+        <p:txBody>
+          <a:bodyPr/>
+          <a:lstStyle/>
+          <a:p>
+            <a:r>
+              <a:rPr lang="en-US" altLang="zh-CN" dirty="0" smtClean="0"/>
+              <a:t>Qualitative analysis</a:t>
+            </a:r>
+            <a:br>
+              <a:rPr lang="en-US" altLang="zh-CN" dirty="0" smtClean="0"/>
+            </a:br>
+            <a:r>
+              <a:rPr lang="en-US" altLang="zh-CN" dirty="0" smtClean="0"/>
+              <a:t>Dependability</a:t>
+            </a:r>
+            <a:endParaRPr lang="de-DE" dirty="0"/>
+          </a:p>
+        </p:txBody>
+      </p:sp>
+      <p:sp>
+        <p:nvSpPr>
+          <p:cNvPr id="3" name="Textplatzhalter 2"/>
+          <p:cNvSpPr>
+            <a:spLocks noGrp="1"/>
+          </p:cNvSpPr>
+          <p:nvPr>
+            <p:ph type="body" sz="quarter" idx="12"/>
+          </p:nvPr>
+        </p:nvSpPr>
+        <p:spPr>
+          <a:xfrm>
+            <a:off x="198383" y="5080000"/>
+            <a:ext cx="8359464" cy="1289538"/>
+          </a:xfrm>
+        </p:spPr>
+        <p:txBody>
+          <a:bodyPr/>
+          <a:lstStyle/>
+          <a:p>
+            <a:r>
+              <a:rPr lang="en-US" altLang="zh-CN" sz="2000" dirty="0"/>
+              <a:t>For simplicity, in this section, we first assume one substation network equipped with </a:t>
+            </a:r>
+            <a:r>
+              <a:rPr lang="en-US" altLang="zh-CN" sz="2000" dirty="0">
+                <a:solidFill>
+                  <a:srgbClr val="FF0000"/>
+                </a:solidFill>
+              </a:rPr>
+              <a:t>only one S</a:t>
             </a:r>
             <a:r>
               <a:rPr lang="en-US" altLang="zh-CN" sz="2000" dirty="0" smtClean="0">
@@ -10655,7 +11230,7 @@
 </p:sld>
 </file>
 
-<file path=ppt/slides/slide16.xml><?xml version="1.0" encoding="utf-8"?>
+<file path=ppt/slides/slide17.xml><?xml version="1.0" encoding="utf-8"?>
 <p:sld xmlns:a="http://schemas.openxmlformats.org/drawingml/2006/main" xmlns:r="http://schemas.openxmlformats.org/officeDocument/2006/relationships" xmlns:p="http://schemas.openxmlformats.org/presentationml/2006/main">
   <p:cSld>
     <p:spTree>
@@ -10897,7 +11472,7 @@
 </p:sld>
 </file>
 
-<file path=ppt/slides/slide17.xml><?xml version="1.0" encoding="utf-8"?>
+<file path=ppt/slides/slide18.xml><?xml version="1.0" encoding="utf-8"?>
 <p:sld xmlns:a="http://schemas.openxmlformats.org/drawingml/2006/main" xmlns:r="http://schemas.openxmlformats.org/officeDocument/2006/relationships" xmlns:p="http://schemas.openxmlformats.org/presentationml/2006/main">
   <p:cSld>
     <p:spTree>
@@ -11141,7 +11716,7 @@
 </p:sld>
 </file>
 
-<file path=ppt/slides/slide18.xml><?xml version="1.0" encoding="utf-8"?>
+<file path=ppt/slides/slide19.xml><?xml version="1.0" encoding="utf-8"?>
 <p:sld xmlns:a="http://schemas.openxmlformats.org/drawingml/2006/main" xmlns:r="http://schemas.openxmlformats.org/officeDocument/2006/relationships" xmlns:p="http://schemas.openxmlformats.org/presentationml/2006/main">
   <p:cSld>
     <p:spTree>
@@ -11408,8 +11983,8 @@
         </p:blipFill>
         <p:spPr>
           <a:xfrm>
-            <a:off x="3813908" y="4247662"/>
-            <a:ext cx="451779" cy="1750645"/>
+            <a:off x="3813908" y="4220308"/>
+            <a:ext cx="428585" cy="1660769"/>
           </a:xfrm>
           <a:prstGeom prst="rect">
             <a:avLst/>
@@ -11420,260 +11995,6 @@
     <p:extLst>
       <p:ext uri="{BB962C8B-B14F-4D97-AF65-F5344CB8AC3E}">
         <p14:creationId xmlns:p14="http://schemas.microsoft.com/office/powerpoint/2010/main" val="2345868450"/>
-      </p:ext>
-    </p:extLst>
-  </p:cSld>
-  <p:clrMapOvr>
-    <a:masterClrMapping/>
-  </p:clrMapOvr>
-  <p:timing>
-    <p:tnLst>
-      <p:par>
-        <p:cTn xmlns:p14="http://schemas.microsoft.com/office/powerpoint/2010/main" id="1" dur="indefinite" restart="never" nodeType="tmRoot"/>
-      </p:par>
-    </p:tnLst>
-  </p:timing>
-</p:sld>
-</file>
-
-<file path=ppt/slides/slide19.xml><?xml version="1.0" encoding="utf-8"?>
-<p:sld xmlns:a="http://schemas.openxmlformats.org/drawingml/2006/main" xmlns:r="http://schemas.openxmlformats.org/officeDocument/2006/relationships" xmlns:p="http://schemas.openxmlformats.org/presentationml/2006/main">
-  <p:cSld>
-    <p:spTree>
-      <p:nvGrpSpPr>
-        <p:cNvPr id="1" name=""/>
-        <p:cNvGrpSpPr/>
-        <p:nvPr/>
-      </p:nvGrpSpPr>
-      <p:grpSpPr>
-        <a:xfrm>
-          <a:off x="0" y="0"/>
-          <a:ext cx="0" cy="0"/>
-          <a:chOff x="0" y="0"/>
-          <a:chExt cx="0" cy="0"/>
-        </a:xfrm>
-      </p:grpSpPr>
-      <p:sp>
-        <p:nvSpPr>
-          <p:cNvPr id="2" name="Textplatzhalter 1"/>
-          <p:cNvSpPr>
-            <a:spLocks noGrp="1"/>
-          </p:cNvSpPr>
-          <p:nvPr>
-            <p:ph type="body" sz="quarter" idx="14"/>
-          </p:nvPr>
-        </p:nvSpPr>
-        <p:spPr>
-          <a:xfrm>
-            <a:off x="312615" y="3946768"/>
-            <a:ext cx="4154400" cy="2470431"/>
-          </a:xfrm>
-        </p:spPr>
-        <p:txBody>
-          <a:bodyPr/>
-          <a:lstStyle/>
-          <a:p>
-            <a:r>
-              <a:rPr lang="de-DE" sz="1600" b="1" dirty="0" err="1" smtClean="0"/>
-              <a:t>Contact</a:t>
-            </a:r>
-            <a:endParaRPr lang="de-DE" sz="1600" b="1" dirty="0"/>
-          </a:p>
-          <a:p>
-            <a:endParaRPr lang="de-DE" dirty="0"/>
-          </a:p>
-          <a:p>
-            <a:r>
-              <a:rPr lang="de-DE" dirty="0" smtClean="0"/>
-              <a:t>E.ON </a:t>
-            </a:r>
-            <a:r>
-              <a:rPr lang="de-DE" dirty="0" err="1"/>
-              <a:t>Energy</a:t>
-            </a:r>
-            <a:r>
-              <a:rPr lang="de-DE" dirty="0"/>
-              <a:t> Research </a:t>
-            </a:r>
-            <a:r>
-              <a:rPr lang="de-DE" dirty="0" smtClean="0"/>
-              <a:t>Center</a:t>
-            </a:r>
-          </a:p>
-          <a:p>
-            <a:r>
-              <a:rPr lang="de-DE" dirty="0" err="1" smtClean="0"/>
-              <a:t>Mathieustraße</a:t>
-            </a:r>
-            <a:r>
-              <a:rPr lang="de-DE" dirty="0" smtClean="0"/>
-              <a:t> </a:t>
-            </a:r>
-            <a:r>
-              <a:rPr lang="de-DE" dirty="0"/>
-              <a:t>10</a:t>
-            </a:r>
-          </a:p>
-          <a:p>
-            <a:r>
-              <a:rPr lang="de-DE" dirty="0"/>
-              <a:t>52074 Aachen</a:t>
-            </a:r>
-          </a:p>
-          <a:p>
-            <a:r>
-              <a:rPr lang="de-DE" dirty="0"/>
-              <a:t>Germany</a:t>
-            </a:r>
-          </a:p>
-          <a:p>
-            <a:endParaRPr lang="de-DE" dirty="0" smtClean="0"/>
-          </a:p>
-          <a:p>
-            <a:r>
-              <a:rPr lang="de-DE" dirty="0" smtClean="0"/>
-              <a:t>H</a:t>
-            </a:r>
-            <a:r>
-              <a:rPr lang="en-US" altLang="zh-CN" dirty="0" err="1" smtClean="0"/>
-              <a:t>uiyuan</a:t>
-            </a:r>
-            <a:r>
-              <a:rPr lang="en-US" altLang="zh-CN" dirty="0" smtClean="0"/>
-              <a:t> Xiao</a:t>
-            </a:r>
-            <a:endParaRPr lang="de-DE" dirty="0"/>
-          </a:p>
-          <a:p>
-            <a:r>
-              <a:rPr lang="de-DE" dirty="0" smtClean="0"/>
-              <a:t>T </a:t>
-            </a:r>
-            <a:r>
-              <a:rPr lang="de-DE" dirty="0"/>
-              <a:t>+49 </a:t>
-            </a:r>
-            <a:r>
-              <a:rPr lang="en-US" altLang="zh-CN" dirty="0" smtClean="0"/>
-              <a:t>17681596277</a:t>
-            </a:r>
-          </a:p>
-          <a:p>
-            <a:r>
-              <a:rPr lang="de-DE" dirty="0" smtClean="0">
-                <a:hlinkClick r:id="rId2"/>
-              </a:rPr>
-              <a:t>H</a:t>
-            </a:r>
-            <a:r>
-              <a:rPr lang="en-US" altLang="zh-CN" dirty="0" smtClean="0">
-                <a:hlinkClick r:id="rId2"/>
-              </a:rPr>
-              <a:t>uiyuan</a:t>
-            </a:r>
-            <a:r>
-              <a:rPr lang="de-DE" altLang="zh-CN" dirty="0" smtClean="0">
-                <a:hlinkClick r:id="rId2"/>
-              </a:rPr>
-              <a:t>.X</a:t>
-            </a:r>
-            <a:r>
-              <a:rPr lang="en-US" altLang="zh-CN" dirty="0" smtClean="0">
-                <a:hlinkClick r:id="rId2"/>
-              </a:rPr>
-              <a:t>iao</a:t>
-            </a:r>
-            <a:r>
-              <a:rPr lang="de-DE" dirty="0" smtClean="0">
-                <a:hlinkClick r:id="rId2"/>
-              </a:rPr>
-              <a:t>@</a:t>
-            </a:r>
-            <a:r>
-              <a:rPr lang="de-DE" dirty="0">
-                <a:hlinkClick r:id="rId2"/>
-              </a:rPr>
-              <a:t>eonerc.rwth-aachen.de</a:t>
-            </a:r>
-            <a:endParaRPr lang="de-DE" dirty="0"/>
-          </a:p>
-          <a:p>
-            <a:endParaRPr lang="de-DE" dirty="0"/>
-          </a:p>
-        </p:txBody>
-      </p:sp>
-      <p:sp>
-        <p:nvSpPr>
-          <p:cNvPr id="3" name="文本框 2"/>
-          <p:cNvSpPr txBox="1"/>
-          <p:nvPr/>
-        </p:nvSpPr>
-        <p:spPr>
-          <a:xfrm>
-            <a:off x="1504462" y="2246924"/>
-            <a:ext cx="6338861" cy="1107996"/>
-          </a:xfrm>
-          <a:prstGeom prst="rect">
-            <a:avLst/>
-          </a:prstGeom>
-          <a:noFill/>
-        </p:spPr>
-        <p:txBody>
-          <a:bodyPr wrap="square" lIns="0" tIns="0" rIns="0" bIns="0" rtlCol="0">
-            <a:spAutoFit/>
-          </a:bodyPr>
-          <a:lstStyle/>
-          <a:p>
-            <a:pPr algn="ctr"/>
-            <a:r>
-              <a:rPr kumimoji="1" lang="de-DE" altLang="zh-CN" sz="3600" b="1" dirty="0" smtClean="0">
-                <a:latin typeface="+mj-lt"/>
-              </a:rPr>
-              <a:t>T</a:t>
-            </a:r>
-            <a:r>
-              <a:rPr kumimoji="1" lang="en-US" altLang="zh-CN" sz="3600" b="1" dirty="0" smtClean="0">
-                <a:latin typeface="+mj-lt"/>
-              </a:rPr>
-              <a:t>hanks for your attention!</a:t>
-            </a:r>
-          </a:p>
-          <a:p>
-            <a:pPr algn="ctr"/>
-            <a:r>
-              <a:rPr kumimoji="1" lang="de-DE" altLang="zh-CN" sz="3600" b="1" dirty="0" smtClean="0">
-                <a:latin typeface="+mj-lt"/>
-              </a:rPr>
-              <a:t>A</a:t>
-            </a:r>
-            <a:r>
-              <a:rPr kumimoji="1" lang="en-US" altLang="zh-CN" sz="3600" b="1" dirty="0" err="1" smtClean="0">
-                <a:latin typeface="+mj-lt"/>
-              </a:rPr>
-              <a:t>ny</a:t>
-            </a:r>
-            <a:r>
-              <a:rPr kumimoji="1" lang="en-US" altLang="zh-CN" sz="3600" b="1" dirty="0" smtClean="0">
-                <a:latin typeface="+mj-lt"/>
-              </a:rPr>
-              <a:t> question</a:t>
-            </a:r>
-            <a:r>
-              <a:rPr kumimoji="1" lang="de-DE" altLang="zh-CN" sz="3600" b="1" dirty="0" smtClean="0">
-                <a:latin typeface="+mj-lt"/>
-              </a:rPr>
-              <a:t>?</a:t>
-            </a:r>
-            <a:endParaRPr kumimoji="1" lang="zh-CN" altLang="en-US" sz="3600" b="1" dirty="0" smtClean="0">
-              <a:latin typeface="+mj-lt"/>
-            </a:endParaRPr>
-          </a:p>
-        </p:txBody>
-      </p:sp>
-    </p:spTree>
-    <p:extLst>
-      <p:ext uri="{BB962C8B-B14F-4D97-AF65-F5344CB8AC3E}">
-        <p14:creationId xmlns:p14="http://schemas.microsoft.com/office/powerpoint/2010/main" val="1138666527"/>
       </p:ext>
     </p:extLst>
   </p:cSld>
@@ -11765,11 +12086,7 @@
             <a:pPr lvl="1"/>
             <a:r>
               <a:rPr lang="en-US" altLang="zh-CN" sz="2400" dirty="0" smtClean="0"/>
-              <a:t>e</a:t>
-            </a:r>
-            <a:r>
-              <a:rPr lang="en-US" altLang="zh-CN" sz="2400" dirty="0" smtClean="0"/>
-              <a:t>mploy </a:t>
+              <a:t>employ </a:t>
             </a:r>
             <a:r>
               <a:rPr lang="en-US" altLang="zh-CN" sz="2400" u="sng" dirty="0" smtClean="0"/>
@@ -11784,11 +12101,7 @@
             <a:pPr lvl="1"/>
             <a:r>
               <a:rPr lang="en-US" altLang="zh-CN" sz="2400" dirty="0" smtClean="0"/>
-              <a:t>w</a:t>
-            </a:r>
-            <a:r>
-              <a:rPr lang="en-US" altLang="zh-CN" sz="2400" dirty="0" smtClean="0"/>
-              <a:t>ith </a:t>
+              <a:t>with </a:t>
             </a:r>
             <a:r>
               <a:rPr lang="en-US" altLang="zh-CN" sz="2400" u="sng" dirty="0" smtClean="0"/>
@@ -11803,11 +12116,7 @@
             <a:pPr lvl="1"/>
             <a:r>
               <a:rPr lang="en-US" altLang="zh-CN" sz="2400" dirty="0" smtClean="0"/>
-              <a:t>i</a:t>
-            </a:r>
-            <a:r>
-              <a:rPr lang="en-US" altLang="zh-CN" sz="2400" dirty="0" smtClean="0"/>
-              <a:t>n </a:t>
+              <a:t>in </a:t>
             </a:r>
             <a:r>
               <a:rPr lang="en-US" altLang="zh-CN" sz="2400" u="sng" dirty="0" smtClean="0"/>
@@ -11822,11 +12131,7 @@
             <a:pPr lvl="1"/>
             <a:r>
               <a:rPr lang="en-US" altLang="zh-CN" sz="2400" dirty="0" smtClean="0"/>
-              <a:t>f</a:t>
-            </a:r>
-            <a:r>
-              <a:rPr lang="en-US" altLang="zh-CN" sz="2400" dirty="0" smtClean="0"/>
-              <a:t>or </a:t>
+              <a:t>for </a:t>
             </a:r>
             <a:r>
               <a:rPr lang="en-US" altLang="zh-CN" sz="2400" u="sng" dirty="0" smtClean="0"/>
@@ -11841,11 +12146,7 @@
             <a:pPr lvl="1"/>
             <a:r>
               <a:rPr lang="en-US" altLang="zh-CN" sz="2400" dirty="0" smtClean="0"/>
-              <a:t>a</a:t>
-            </a:r>
-            <a:r>
-              <a:rPr lang="en-US" altLang="zh-CN" sz="2400" dirty="0" smtClean="0"/>
-              <a:t>nd </a:t>
+              <a:t>and </a:t>
             </a:r>
             <a:r>
               <a:rPr lang="en-US" altLang="zh-CN" sz="2400" u="sng" dirty="0" smtClean="0"/>
@@ -11855,17 +12156,12 @@
               <a:rPr lang="en-US" altLang="zh-CN" sz="2400" dirty="0" smtClean="0"/>
               <a:t> (reliability, availability) analysis</a:t>
             </a:r>
-            <a:endParaRPr lang="en-US" altLang="zh-CN" sz="2400" dirty="0" smtClean="0"/>
           </a:p>
           <a:p>
             <a:pPr lvl="1"/>
             <a:r>
               <a:rPr lang="en-US" altLang="zh-CN" sz="2400" dirty="0" smtClean="0"/>
-              <a:t>o</a:t>
-            </a:r>
-            <a:r>
-              <a:rPr lang="en-US" altLang="zh-CN" sz="2400" dirty="0" smtClean="0"/>
-              <a:t>f </a:t>
+              <a:t>of </a:t>
             </a:r>
             <a:r>
               <a:rPr lang="en-US" altLang="zh-CN" sz="2400" u="sng" dirty="0" smtClean="0"/>
@@ -11883,6 +12179,260 @@
     <p:extLst>
       <p:ext uri="{BB962C8B-B14F-4D97-AF65-F5344CB8AC3E}">
         <p14:creationId xmlns:p14="http://schemas.microsoft.com/office/powerpoint/2010/main" val="3155810806"/>
+      </p:ext>
+    </p:extLst>
+  </p:cSld>
+  <p:clrMapOvr>
+    <a:masterClrMapping/>
+  </p:clrMapOvr>
+  <p:timing>
+    <p:tnLst>
+      <p:par>
+        <p:cTn xmlns:p14="http://schemas.microsoft.com/office/powerpoint/2010/main" id="1" dur="indefinite" restart="never" nodeType="tmRoot"/>
+      </p:par>
+    </p:tnLst>
+  </p:timing>
+</p:sld>
+</file>
+
+<file path=ppt/slides/slide20.xml><?xml version="1.0" encoding="utf-8"?>
+<p:sld xmlns:a="http://schemas.openxmlformats.org/drawingml/2006/main" xmlns:r="http://schemas.openxmlformats.org/officeDocument/2006/relationships" xmlns:p="http://schemas.openxmlformats.org/presentationml/2006/main">
+  <p:cSld>
+    <p:spTree>
+      <p:nvGrpSpPr>
+        <p:cNvPr id="1" name=""/>
+        <p:cNvGrpSpPr/>
+        <p:nvPr/>
+      </p:nvGrpSpPr>
+      <p:grpSpPr>
+        <a:xfrm>
+          <a:off x="0" y="0"/>
+          <a:ext cx="0" cy="0"/>
+          <a:chOff x="0" y="0"/>
+          <a:chExt cx="0" cy="0"/>
+        </a:xfrm>
+      </p:grpSpPr>
+      <p:sp>
+        <p:nvSpPr>
+          <p:cNvPr id="2" name="Textplatzhalter 1"/>
+          <p:cNvSpPr>
+            <a:spLocks noGrp="1"/>
+          </p:cNvSpPr>
+          <p:nvPr>
+            <p:ph type="body" sz="quarter" idx="14"/>
+          </p:nvPr>
+        </p:nvSpPr>
+        <p:spPr>
+          <a:xfrm>
+            <a:off x="312615" y="3946768"/>
+            <a:ext cx="4154400" cy="2470431"/>
+          </a:xfrm>
+        </p:spPr>
+        <p:txBody>
+          <a:bodyPr/>
+          <a:lstStyle/>
+          <a:p>
+            <a:r>
+              <a:rPr lang="de-DE" sz="1600" b="1" dirty="0" err="1" smtClean="0"/>
+              <a:t>Contact</a:t>
+            </a:r>
+            <a:endParaRPr lang="de-DE" sz="1600" b="1" dirty="0"/>
+          </a:p>
+          <a:p>
+            <a:endParaRPr lang="de-DE" dirty="0"/>
+          </a:p>
+          <a:p>
+            <a:r>
+              <a:rPr lang="de-DE" dirty="0" smtClean="0"/>
+              <a:t>E.ON </a:t>
+            </a:r>
+            <a:r>
+              <a:rPr lang="de-DE" dirty="0" err="1"/>
+              <a:t>Energy</a:t>
+            </a:r>
+            <a:r>
+              <a:rPr lang="de-DE" dirty="0"/>
+              <a:t> Research </a:t>
+            </a:r>
+            <a:r>
+              <a:rPr lang="de-DE" dirty="0" smtClean="0"/>
+              <a:t>Center</a:t>
+            </a:r>
+          </a:p>
+          <a:p>
+            <a:r>
+              <a:rPr lang="de-DE" dirty="0" err="1" smtClean="0"/>
+              <a:t>Mathieustraße</a:t>
+            </a:r>
+            <a:r>
+              <a:rPr lang="de-DE" dirty="0" smtClean="0"/>
+              <a:t> </a:t>
+            </a:r>
+            <a:r>
+              <a:rPr lang="de-DE" dirty="0"/>
+              <a:t>10</a:t>
+            </a:r>
+          </a:p>
+          <a:p>
+            <a:r>
+              <a:rPr lang="de-DE" dirty="0"/>
+              <a:t>52074 Aachen</a:t>
+            </a:r>
+          </a:p>
+          <a:p>
+            <a:r>
+              <a:rPr lang="de-DE" dirty="0"/>
+              <a:t>Germany</a:t>
+            </a:r>
+          </a:p>
+          <a:p>
+            <a:endParaRPr lang="de-DE" dirty="0" smtClean="0"/>
+          </a:p>
+          <a:p>
+            <a:r>
+              <a:rPr lang="de-DE" dirty="0" smtClean="0"/>
+              <a:t>H</a:t>
+            </a:r>
+            <a:r>
+              <a:rPr lang="en-US" altLang="zh-CN" dirty="0" err="1" smtClean="0"/>
+              <a:t>uiyuan</a:t>
+            </a:r>
+            <a:r>
+              <a:rPr lang="en-US" altLang="zh-CN" dirty="0" smtClean="0"/>
+              <a:t> Xiao</a:t>
+            </a:r>
+            <a:endParaRPr lang="de-DE" dirty="0"/>
+          </a:p>
+          <a:p>
+            <a:r>
+              <a:rPr lang="de-DE" dirty="0" smtClean="0"/>
+              <a:t>T </a:t>
+            </a:r>
+            <a:r>
+              <a:rPr lang="de-DE" dirty="0"/>
+              <a:t>+49 </a:t>
+            </a:r>
+            <a:r>
+              <a:rPr lang="en-US" altLang="zh-CN" dirty="0" smtClean="0"/>
+              <a:t>17681596277</a:t>
+            </a:r>
+          </a:p>
+          <a:p>
+            <a:r>
+              <a:rPr lang="de-DE" dirty="0" smtClean="0">
+                <a:hlinkClick r:id="rId2"/>
+              </a:rPr>
+              <a:t>H</a:t>
+            </a:r>
+            <a:r>
+              <a:rPr lang="en-US" altLang="zh-CN" dirty="0" smtClean="0">
+                <a:hlinkClick r:id="rId2"/>
+              </a:rPr>
+              <a:t>uiyuan</a:t>
+            </a:r>
+            <a:r>
+              <a:rPr lang="de-DE" altLang="zh-CN" dirty="0" smtClean="0">
+                <a:hlinkClick r:id="rId2"/>
+              </a:rPr>
+              <a:t>.X</a:t>
+            </a:r>
+            <a:r>
+              <a:rPr lang="en-US" altLang="zh-CN" dirty="0" smtClean="0">
+                <a:hlinkClick r:id="rId2"/>
+              </a:rPr>
+              <a:t>iao</a:t>
+            </a:r>
+            <a:r>
+              <a:rPr lang="de-DE" dirty="0" smtClean="0">
+                <a:hlinkClick r:id="rId2"/>
+              </a:rPr>
+              <a:t>@</a:t>
+            </a:r>
+            <a:r>
+              <a:rPr lang="de-DE" dirty="0">
+                <a:hlinkClick r:id="rId2"/>
+              </a:rPr>
+              <a:t>eonerc.rwth-aachen.de</a:t>
+            </a:r>
+            <a:endParaRPr lang="de-DE" dirty="0"/>
+          </a:p>
+          <a:p>
+            <a:endParaRPr lang="de-DE" dirty="0"/>
+          </a:p>
+        </p:txBody>
+      </p:sp>
+      <p:sp>
+        <p:nvSpPr>
+          <p:cNvPr id="3" name="文本框 2"/>
+          <p:cNvSpPr txBox="1"/>
+          <p:nvPr/>
+        </p:nvSpPr>
+        <p:spPr>
+          <a:xfrm>
+            <a:off x="1504462" y="2246924"/>
+            <a:ext cx="6338861" cy="1107996"/>
+          </a:xfrm>
+          <a:prstGeom prst="rect">
+            <a:avLst/>
+          </a:prstGeom>
+          <a:noFill/>
+        </p:spPr>
+        <p:txBody>
+          <a:bodyPr wrap="square" lIns="0" tIns="0" rIns="0" bIns="0" rtlCol="0">
+            <a:spAutoFit/>
+          </a:bodyPr>
+          <a:lstStyle/>
+          <a:p>
+            <a:pPr algn="ctr"/>
+            <a:r>
+              <a:rPr kumimoji="1" lang="de-DE" altLang="zh-CN" sz="3600" b="1" dirty="0" smtClean="0">
+                <a:latin typeface="+mj-lt"/>
+              </a:rPr>
+              <a:t>T</a:t>
+            </a:r>
+            <a:r>
+              <a:rPr kumimoji="1" lang="en-US" altLang="zh-CN" sz="3600" b="1" dirty="0" smtClean="0">
+                <a:latin typeface="+mj-lt"/>
+              </a:rPr>
+              <a:t>hanks for your attention!</a:t>
+            </a:r>
+          </a:p>
+          <a:p>
+            <a:pPr algn="ctr"/>
+            <a:r>
+              <a:rPr kumimoji="1" lang="de-DE" altLang="zh-CN" sz="3600" b="1" dirty="0" smtClean="0">
+                <a:latin typeface="+mj-lt"/>
+              </a:rPr>
+              <a:t>A</a:t>
+            </a:r>
+            <a:r>
+              <a:rPr kumimoji="1" lang="en-US" altLang="zh-CN" sz="3600" b="1" dirty="0" err="1" smtClean="0">
+                <a:latin typeface="+mj-lt"/>
+              </a:rPr>
+              <a:t>ny</a:t>
+            </a:r>
+            <a:r>
+              <a:rPr kumimoji="1" lang="en-US" altLang="zh-CN" sz="3600" b="1" dirty="0" smtClean="0">
+                <a:latin typeface="+mj-lt"/>
+              </a:rPr>
+              <a:t> question</a:t>
+            </a:r>
+            <a:r>
+              <a:rPr kumimoji="1" lang="de-DE" altLang="zh-CN" sz="3600" b="1" dirty="0" smtClean="0">
+                <a:latin typeface="+mj-lt"/>
+              </a:rPr>
+              <a:t>?</a:t>
+            </a:r>
+            <a:endParaRPr kumimoji="1" lang="zh-CN" altLang="en-US" sz="3600" b="1" dirty="0" smtClean="0">
+              <a:latin typeface="+mj-lt"/>
+            </a:endParaRPr>
+          </a:p>
+        </p:txBody>
+      </p:sp>
+    </p:spTree>
+    <p:extLst>
+      <p:ext uri="{BB962C8B-B14F-4D97-AF65-F5344CB8AC3E}">
+        <p14:creationId xmlns:p14="http://schemas.microsoft.com/office/powerpoint/2010/main" val="1138666527"/>
       </p:ext>
     </p:extLst>
   </p:cSld>
@@ -12335,66 +12885,59 @@
           <a:lstStyle/>
           <a:p>
             <a:r>
-              <a:rPr lang="en-US" altLang="zh-CN" dirty="0"/>
+              <a:rPr lang="en-US" altLang="zh-CN" sz="2000" dirty="0"/>
               <a:t>Properties </a:t>
             </a:r>
-            <a:endParaRPr lang="en-US" altLang="zh-CN" dirty="0" smtClean="0"/>
+            <a:endParaRPr lang="en-US" altLang="zh-CN" sz="2000" dirty="0" smtClean="0"/>
           </a:p>
           <a:p>
             <a:pPr lvl="1"/>
             <a:r>
-              <a:rPr lang="en-US" altLang="zh-CN" dirty="0"/>
+              <a:rPr lang="en-US" altLang="zh-CN" sz="1800" dirty="0"/>
               <a:t>Reachability</a:t>
             </a:r>
           </a:p>
           <a:p>
             <a:pPr lvl="1"/>
             <a:r>
-              <a:rPr lang="en-US" altLang="zh-CN" dirty="0" err="1" smtClean="0"/>
+              <a:rPr lang="en-US" altLang="zh-CN" sz="1800" dirty="0" err="1" smtClean="0"/>
               <a:t>Boundness</a:t>
             </a:r>
             <a:r>
-              <a:rPr lang="en-US" altLang="zh-CN" dirty="0" smtClean="0"/>
+              <a:rPr lang="en-US" altLang="zh-CN" sz="1800" dirty="0" smtClean="0"/>
               <a:t> </a:t>
             </a:r>
             <a:r>
-              <a:rPr lang="en-US" altLang="zh-CN" dirty="0"/>
+              <a:rPr lang="en-US" altLang="zh-CN" sz="1800" dirty="0"/>
               <a:t>and safety</a:t>
             </a:r>
           </a:p>
           <a:p>
             <a:pPr lvl="1"/>
             <a:r>
-              <a:rPr lang="en-US" altLang="zh-CN" dirty="0" err="1"/>
+              <a:rPr lang="en-US" altLang="zh-CN" sz="1800" dirty="0" err="1"/>
               <a:t>Liveness</a:t>
             </a:r>
-            <a:endParaRPr lang="en-US" altLang="zh-CN" dirty="0"/>
+            <a:endParaRPr lang="en-US" altLang="zh-CN" sz="1800" dirty="0"/>
           </a:p>
           <a:p>
             <a:pPr lvl="1"/>
             <a:r>
-              <a:rPr lang="en-US" altLang="zh-CN" dirty="0"/>
+              <a:rPr lang="en-US" altLang="zh-CN" sz="1800" dirty="0"/>
               <a:t>Reversibility and home </a:t>
             </a:r>
             <a:r>
-              <a:rPr lang="en-US" altLang="zh-CN" dirty="0" smtClean="0"/>
+              <a:rPr lang="en-US" altLang="zh-CN" sz="1800" dirty="0" smtClean="0"/>
               <a:t>state</a:t>
             </a:r>
           </a:p>
           <a:p>
-            <a:pPr marL="216000" lvl="1" indent="-216000" defTabSz="216000">
-              <a:buSzPct val="115000"/>
-              <a:buFont typeface="Arial" panose="020B0604020202020204" pitchFamily="34" charset="0"/>
-              <a:buChar char="■"/>
-              <a:tabLst>
-                <a:tab pos="216000" algn="l"/>
-              </a:tabLst>
-            </a:pPr>
-            <a:r>
-              <a:rPr lang="en-US" altLang="zh-CN" sz="1800" dirty="0"/>
+            <a:pPr marL="0"/>
+            <a:r>
+              <a:rPr lang="en-US" altLang="zh-CN" sz="2000" dirty="0"/>
               <a:t>Basic logic connections </a:t>
             </a:r>
-            <a:endParaRPr lang="de-DE" altLang="zh-CN" sz="1800" dirty="0"/>
+            <a:endParaRPr lang="de-DE" altLang="zh-CN" sz="2000" dirty="0"/>
           </a:p>
           <a:p>
             <a:endParaRPr lang="en-US" altLang="zh-CN" dirty="0" smtClean="0"/>
@@ -12436,7 +12979,7 @@
         </p:blipFill>
         <p:spPr>
           <a:xfrm>
-            <a:off x="3243385" y="552946"/>
+            <a:off x="3223847" y="572485"/>
             <a:ext cx="4747846" cy="7529413"/>
           </a:xfrm>
         </p:spPr>
@@ -12542,11 +13085,7 @@
             </a:pPr>
             <a:r>
               <a:rPr lang="en-US" altLang="zh-CN" sz="2000" dirty="0" smtClean="0"/>
-              <a:t> Petri </a:t>
-            </a:r>
-            <a:r>
-              <a:rPr lang="en-US" altLang="zh-CN" sz="2000" dirty="0" smtClean="0"/>
-              <a:t>net extensions</a:t>
+              <a:t> Petri net extensions</a:t>
             </a:r>
           </a:p>
           <a:p>
@@ -13195,11 +13734,7 @@
           <a:p>
             <a:r>
               <a:rPr lang="en-US" altLang="zh-CN" dirty="0" smtClean="0"/>
-              <a:t>The aim of the project is to </a:t>
-            </a:r>
-            <a:r>
-              <a:rPr lang="en-US" altLang="zh-CN" dirty="0" smtClean="0"/>
-              <a:t>define</a:t>
+              <a:t>The aim of the project is to define</a:t>
             </a:r>
             <a:r>
               <a:rPr lang="de-DE" altLang="zh-CN" dirty="0"/>
@@ -13727,11 +14262,7 @@
             </a:pPr>
             <a:r>
               <a:rPr lang="en-US" altLang="zh-CN" sz="1600" dirty="0" smtClean="0"/>
-              <a:t>W</a:t>
-            </a:r>
-            <a:r>
-              <a:rPr lang="en-US" altLang="zh-CN" sz="1600" dirty="0" smtClean="0"/>
-              <a:t>e choose</a:t>
+              <a:t>We choose</a:t>
             </a:r>
             <a:r>
               <a:rPr lang="en-US" altLang="zh-CN" sz="1600" dirty="0" smtClean="0">
@@ -14091,7 +14622,7 @@
   <a:extraClrSchemeLst/>
   <a:extLst>
     <a:ext uri="{05A4C25C-085E-4340-85A3-A5531E510DB2}">
-      <thm15:themeFamily xmlns="" xmlns:thm15="http://schemas.microsoft.com/office/thememl/2012/main" name="2016-05-20-ACS-Folienmaster-en.pptx" id="{5DCF17E3-4A9B-4C69-878E-9851A02816EE}" vid="{A05249B5-ED44-4D6B-ADA1-8F406F3EDA75}"/>
+      <thm15:themeFamily xmlns:thm15="http://schemas.microsoft.com/office/thememl/2012/main" xmlns="" name="2016-05-20-ACS-Folienmaster-en.pptx" id="{5DCF17E3-4A9B-4C69-878E-9851A02816EE}" vid="{A05249B5-ED44-4D6B-ADA1-8F406F3EDA75}"/>
     </a:ext>
   </a:extLst>
 </a:theme>
@@ -14366,7 +14897,7 @@
   <a:extraClrSchemeLst/>
   <a:extLst>
     <a:ext uri="{05A4C25C-085E-4340-85A3-A5531E510DB2}">
-      <thm15:themeFamily xmlns="" xmlns:thm15="http://schemas.microsoft.com/office/thememl/2012/main" name="2016-05-20-ACS-Folienmaster-en.pptx" id="{5DCF17E3-4A9B-4C69-878E-9851A02816EE}" vid="{D8D17469-2408-494F-BA4B-B64C8C58EA26}"/>
+      <thm15:themeFamily xmlns:thm15="http://schemas.microsoft.com/office/thememl/2012/main" xmlns="" name="2016-05-20-ACS-Folienmaster-en.pptx" id="{5DCF17E3-4A9B-4C69-878E-9851A02816EE}" vid="{D8D17469-2408-494F-BA4B-B64C8C58EA26}"/>
     </a:ext>
   </a:extLst>
 </a:theme>
@@ -14627,7 +15158,7 @@
   <a:extraClrSchemeLst/>
   <a:extLst>
     <a:ext uri="{05A4C25C-085E-4340-85A3-A5531E510DB2}">
-      <thm15:themeFamily xmlns="" xmlns:thm15="http://schemas.microsoft.com/office/thememl/2012/main" name="Office Theme" id="{62F939B6-93AF-4DB8-9C6B-D6C7DFDC589F}" vid="{4A3C46E8-61CC-4603-A589-7422A47A8E4A}"/>
+      <thm15:themeFamily xmlns:thm15="http://schemas.microsoft.com/office/thememl/2012/main" xmlns="" name="Office Theme" id="{62F939B6-93AF-4DB8-9C6B-D6C7DFDC589F}" vid="{4A3C46E8-61CC-4603-A589-7422A47A8E4A}"/>
     </a:ext>
   </a:extLst>
 </a:theme>
@@ -14888,7 +15419,7 @@
   <a:extraClrSchemeLst/>
   <a:extLst>
     <a:ext uri="{05A4C25C-085E-4340-85A3-A5531E510DB2}">
-      <thm15:themeFamily xmlns="" xmlns:thm15="http://schemas.microsoft.com/office/thememl/2012/main" name="Office Theme" id="{62F939B6-93AF-4DB8-9C6B-D6C7DFDC589F}" vid="{4A3C46E8-61CC-4603-A589-7422A47A8E4A}"/>
+      <thm15:themeFamily xmlns:thm15="http://schemas.microsoft.com/office/thememl/2012/main" xmlns="" name="Office Theme" id="{62F939B6-93AF-4DB8-9C6B-D6C7DFDC589F}" vid="{4A3C46E8-61CC-4603-A589-7422A47A8E4A}"/>
     </a:ext>
   </a:extLst>
 </a:theme>
